--- a/figures/method-freq.pptx
+++ b/figures/method-freq.pptx
@@ -3043,17 +3043,8 @@
                 <a:rPr lang="en-US" altLang="zh-CN" sz="1400" b="1" dirty="0">
                   <a:latin typeface="Consolas" panose="020B0609020204030204" pitchFamily="49" charset="0"/>
                 </a:rPr>
-                <a:t>/v1/</a:t>
-              </a:r>
-              <a:r>
-                <a:rPr lang="en-US" altLang="zh-CN" sz="1400" b="1" dirty="0" err="1">
-                  <a:latin typeface="Consolas" panose="020B0609020204030204" pitchFamily="49" charset="0"/>
-                </a:rPr>
-                <a:t>refound</a:t>
-              </a:r>
-              <a:endParaRPr lang="en-US" altLang="zh-CN" sz="1400" b="1" dirty="0">
-                <a:latin typeface="Consolas" panose="020B0609020204030204" pitchFamily="49" charset="0"/>
-              </a:endParaRPr>
+                <a:t>/v1/refund</a:t>
+              </a:r>
             </a:p>
             <a:p>
               <a:endParaRPr lang="en-US" altLang="zh-CN" sz="1400" dirty="0">
@@ -3369,17 +3360,8 @@
                 <a:rPr lang="en-US" altLang="zh-CN" sz="1100" b="1" dirty="0">
                   <a:latin typeface="Consolas" panose="020B0609020204030204" pitchFamily="49" charset="0"/>
                 </a:rPr>
-                <a:t>/v1/</a:t>
-              </a:r>
-              <a:r>
-                <a:rPr lang="en-US" altLang="zh-CN" sz="1100" b="1" dirty="0" err="1">
-                  <a:latin typeface="Consolas" panose="020B0609020204030204" pitchFamily="49" charset="0"/>
-                </a:rPr>
-                <a:t>refound</a:t>
-              </a:r>
-              <a:endParaRPr lang="en-US" altLang="zh-CN" sz="1100" b="1" dirty="0">
-                <a:latin typeface="Consolas" panose="020B0609020204030204" pitchFamily="49" charset="0"/>
-              </a:endParaRPr>
+                <a:t>/v1/refund</a:t>
+              </a:r>
             </a:p>
             <a:p>
               <a:r>
@@ -3513,17 +3495,8 @@
                 <a:rPr lang="en-US" altLang="zh-CN" sz="1100" b="1" dirty="0">
                   <a:latin typeface="Consolas" panose="020B0609020204030204" pitchFamily="49" charset="0"/>
                 </a:rPr>
-                <a:t>/v1/</a:t>
-              </a:r>
-              <a:r>
-                <a:rPr lang="en-US" altLang="zh-CN" sz="1100" b="1" dirty="0" err="1">
-                  <a:latin typeface="Consolas" panose="020B0609020204030204" pitchFamily="49" charset="0"/>
-                </a:rPr>
-                <a:t>refound</a:t>
-              </a:r>
-              <a:endParaRPr lang="en-US" altLang="zh-CN" sz="1100" b="1" dirty="0">
-                <a:latin typeface="Consolas" panose="020B0609020204030204" pitchFamily="49" charset="0"/>
-              </a:endParaRPr>
+                <a:t>/v1/refund</a:t>
+              </a:r>
             </a:p>
           </p:txBody>
         </p:sp>
@@ -3577,17 +3550,8 @@
                 <a:rPr lang="en-US" altLang="zh-CN" sz="1400" b="1" dirty="0">
                   <a:latin typeface="Consolas" panose="020B0609020204030204" pitchFamily="49" charset="0"/>
                 </a:rPr>
-                <a:t>/v1/</a:t>
-              </a:r>
-              <a:r>
-                <a:rPr lang="en-US" altLang="zh-CN" sz="1400" b="1" dirty="0" err="1">
-                  <a:latin typeface="Consolas" panose="020B0609020204030204" pitchFamily="49" charset="0"/>
-                </a:rPr>
-                <a:t>refound</a:t>
-              </a:r>
-              <a:endParaRPr lang="en-US" altLang="zh-CN" sz="1400" b="1" dirty="0">
-                <a:latin typeface="Consolas" panose="020B0609020204030204" pitchFamily="49" charset="0"/>
-              </a:endParaRPr>
+                <a:t>/v1/refund</a:t>
+              </a:r>
             </a:p>
             <a:p>
               <a:endParaRPr lang="en-US" altLang="zh-CN" sz="1400" dirty="0">
